--- a/Proyecto_Final_YORIO.pptx
+++ b/Proyecto_Final_YORIO.pptx
@@ -128,16 +128,32 @@
 </p:presentation>
 </file>
 
-<file path=ppt/revisionInfo.xml><?xml version="1.0" encoding="utf-8"?>
-<p1510:revInfo xmlns:a="http://schemas.openxmlformats.org/drawingml/2006/main" xmlns:r="http://schemas.openxmlformats.org/officeDocument/2006/relationships" xmlns:p1510="http://schemas.microsoft.com/office/powerpoint/2015/10/main">
-  <p1510:revLst>
-    <p1510:client id="{79D69C80-A827-4AF2-808A-A0F88B51133A}" v="41" dt="2024-01-10T18:14:04.465"/>
-  </p1510:revLst>
-</p1510:revInfo>
-</file>
-
 <file path=ppt/changesInfos/changesInfo1.xml><?xml version="1.0" encoding="utf-8"?>
 <pc:chgInfo xmlns:a="http://schemas.openxmlformats.org/drawingml/2006/main" xmlns:r="http://schemas.openxmlformats.org/officeDocument/2006/relationships" xmlns:ac="http://schemas.microsoft.com/office/drawing/2013/main/command" xmlns:pc="http://schemas.microsoft.com/office/powerpoint/2013/main/command">
+  <pc:docChgLst>
+    <pc:chgData name="Humberto YORIO" userId="f2a187ce32a90a55" providerId="LiveId" clId="{450EB1D3-2B11-449D-BF20-0F301527BEAF}"/>
+    <pc:docChg chg="modSld">
+      <pc:chgData name="Humberto YORIO" userId="f2a187ce32a90a55" providerId="LiveId" clId="{450EB1D3-2B11-449D-BF20-0F301527BEAF}" dt="2024-03-27T06:52:17.350" v="1" actId="20577"/>
+      <pc:docMkLst>
+        <pc:docMk/>
+      </pc:docMkLst>
+      <pc:sldChg chg="modSp mod">
+        <pc:chgData name="Humberto YORIO" userId="f2a187ce32a90a55" providerId="LiveId" clId="{450EB1D3-2B11-449D-BF20-0F301527BEAF}" dt="2024-03-27T06:52:17.350" v="1" actId="20577"/>
+        <pc:sldMkLst>
+          <pc:docMk/>
+          <pc:sldMk cId="537752885" sldId="271"/>
+        </pc:sldMkLst>
+        <pc:spChg chg="mod">
+          <ac:chgData name="Humberto YORIO" userId="f2a187ce32a90a55" providerId="LiveId" clId="{450EB1D3-2B11-449D-BF20-0F301527BEAF}" dt="2024-03-27T06:52:17.350" v="1" actId="20577"/>
+          <ac:spMkLst>
+            <pc:docMk/>
+            <pc:sldMk cId="537752885" sldId="271"/>
+            <ac:spMk id="3" creationId="{9C6248E9-C7B7-4D7A-B1C4-84BCE20AAFA4}"/>
+          </ac:spMkLst>
+        </pc:spChg>
+      </pc:sldChg>
+    </pc:docChg>
+  </pc:docChgLst>
   <pc:docChgLst>
     <pc:chgData name="Humberto YORIO" userId="f2a187ce32a90a55" providerId="LiveId" clId="{79D69C80-A827-4AF2-808A-A0F88B51133A}"/>
     <pc:docChg chg="undo redo custSel addSld modSld sldOrd modMainMaster">
@@ -8753,7 +8769,7 @@
           <a:p>
             <a:fld id="{1795D2BB-853D-41E6-873B-186C34F754C0}" type="datetimeFigureOut">
               <a:rPr lang="es-AR" smtClean="0"/>
-              <a:t>10/1/2024</a:t>
+              <a:t>27/3/2024</a:t>
             </a:fld>
             <a:endParaRPr lang="es-AR"/>
           </a:p>
@@ -8953,7 +8969,7 @@
           <a:p>
             <a:fld id="{1795D2BB-853D-41E6-873B-186C34F754C0}" type="datetimeFigureOut">
               <a:rPr lang="es-AR" smtClean="0"/>
-              <a:t>10/1/2024</a:t>
+              <a:t>27/3/2024</a:t>
             </a:fld>
             <a:endParaRPr lang="es-AR"/>
           </a:p>
@@ -9163,7 +9179,7 @@
           <a:p>
             <a:fld id="{1795D2BB-853D-41E6-873B-186C34F754C0}" type="datetimeFigureOut">
               <a:rPr lang="es-AR" smtClean="0"/>
-              <a:t>10/1/2024</a:t>
+              <a:t>27/3/2024</a:t>
             </a:fld>
             <a:endParaRPr lang="es-AR"/>
           </a:p>
@@ -9363,7 +9379,7 @@
           <a:p>
             <a:fld id="{1795D2BB-853D-41E6-873B-186C34F754C0}" type="datetimeFigureOut">
               <a:rPr lang="es-AR" smtClean="0"/>
-              <a:t>10/1/2024</a:t>
+              <a:t>27/3/2024</a:t>
             </a:fld>
             <a:endParaRPr lang="es-AR"/>
           </a:p>
@@ -9639,7 +9655,7 @@
           <a:p>
             <a:fld id="{1795D2BB-853D-41E6-873B-186C34F754C0}" type="datetimeFigureOut">
               <a:rPr lang="es-AR" smtClean="0"/>
-              <a:t>10/1/2024</a:t>
+              <a:t>27/3/2024</a:t>
             </a:fld>
             <a:endParaRPr lang="es-AR"/>
           </a:p>
@@ -9907,7 +9923,7 @@
           <a:p>
             <a:fld id="{1795D2BB-853D-41E6-873B-186C34F754C0}" type="datetimeFigureOut">
               <a:rPr lang="es-AR" smtClean="0"/>
-              <a:t>10/1/2024</a:t>
+              <a:t>27/3/2024</a:t>
             </a:fld>
             <a:endParaRPr lang="es-AR"/>
           </a:p>
@@ -10322,7 +10338,7 @@
           <a:p>
             <a:fld id="{1795D2BB-853D-41E6-873B-186C34F754C0}" type="datetimeFigureOut">
               <a:rPr lang="es-AR" smtClean="0"/>
-              <a:t>10/1/2024</a:t>
+              <a:t>27/3/2024</a:t>
             </a:fld>
             <a:endParaRPr lang="es-AR"/>
           </a:p>
@@ -10464,7 +10480,7 @@
           <a:p>
             <a:fld id="{1795D2BB-853D-41E6-873B-186C34F754C0}" type="datetimeFigureOut">
               <a:rPr lang="es-AR" smtClean="0"/>
-              <a:t>10/1/2024</a:t>
+              <a:t>27/3/2024</a:t>
             </a:fld>
             <a:endParaRPr lang="es-AR"/>
           </a:p>
@@ -10577,7 +10593,7 @@
           <a:p>
             <a:fld id="{1795D2BB-853D-41E6-873B-186C34F754C0}" type="datetimeFigureOut">
               <a:rPr lang="es-AR" smtClean="0"/>
-              <a:t>10/1/2024</a:t>
+              <a:t>27/3/2024</a:t>
             </a:fld>
             <a:endParaRPr lang="es-AR"/>
           </a:p>
@@ -10890,7 +10906,7 @@
           <a:p>
             <a:fld id="{1795D2BB-853D-41E6-873B-186C34F754C0}" type="datetimeFigureOut">
               <a:rPr lang="es-AR" smtClean="0"/>
-              <a:t>10/1/2024</a:t>
+              <a:t>27/3/2024</a:t>
             </a:fld>
             <a:endParaRPr lang="es-AR"/>
           </a:p>
@@ -11179,7 +11195,7 @@
           <a:p>
             <a:fld id="{1795D2BB-853D-41E6-873B-186C34F754C0}" type="datetimeFigureOut">
               <a:rPr lang="es-AR" smtClean="0"/>
-              <a:t>10/1/2024</a:t>
+              <a:t>27/3/2024</a:t>
             </a:fld>
             <a:endParaRPr lang="es-AR"/>
           </a:p>
@@ -11425,7 +11441,7 @@
           <a:p>
             <a:fld id="{1795D2BB-853D-41E6-873B-186C34F754C0}" type="datetimeFigureOut">
               <a:rPr lang="es-AR" smtClean="0"/>
-              <a:t>10/1/2024</a:t>
+              <a:t>27/3/2024</a:t>
             </a:fld>
             <a:endParaRPr lang="es-AR"/>
           </a:p>
@@ -14524,8 +14540,17 @@
               <a:rPr lang="es-AR" sz="2400" dirty="0">
                 <a:latin typeface="Roboto" panose="02000000000000000000" pitchFamily="2" charset="0"/>
               </a:rPr>
-              <a:t> pueden tomar decisiones informadas y desarrollar estrategias efectivas de retención de clientes. La información obtenida de este análisis puede contribuir a reducir las tasas de abandono de clientes, aumentar la satisfacción del cliente y mejorar el rendimiento empresarial.</a:t>
-            </a:r>
+              <a:t> pueden tomar decisiones informadas y desarrollar estrategias efectivas de retención de clientes. La información obtenida de este análisis puede contribuir a reducir las tasas de abandono de clientes, aumentar la satisfacción del cliente y mejorar el </a:t>
+            </a:r>
+            <a:r>
+              <a:rPr lang="es-AR" sz="2400">
+                <a:latin typeface="Roboto" panose="02000000000000000000" pitchFamily="2" charset="0"/>
+              </a:rPr>
+              <a:t>rendimiento empresarial.</a:t>
+            </a:r>
+            <a:endParaRPr lang="es-AR" sz="2400" dirty="0">
+              <a:latin typeface="Roboto" panose="02000000000000000000" pitchFamily="2" charset="0"/>
+            </a:endParaRPr>
           </a:p>
           <a:p>
             <a:pPr>

--- a/Proyecto_Final_YORIO.pptx
+++ b/Proyecto_Final_YORIO.pptx
@@ -22,6 +22,9 @@
     <p:sldId id="268" r:id="rId16"/>
     <p:sldId id="269" r:id="rId17"/>
     <p:sldId id="271" r:id="rId18"/>
+    <p:sldId id="277" r:id="rId19"/>
+    <p:sldId id="278" r:id="rId20"/>
+    <p:sldId id="276" r:id="rId21"/>
   </p:sldIdLst>
   <p:sldSz cx="12192000" cy="6858000"/>
   <p:notesSz cx="6858000" cy="9144000"/>
@@ -132,8 +135,8 @@
 <pc:chgInfo xmlns:a="http://schemas.openxmlformats.org/drawingml/2006/main" xmlns:r="http://schemas.openxmlformats.org/officeDocument/2006/relationships" xmlns:ac="http://schemas.microsoft.com/office/drawing/2013/main/command" xmlns:pc="http://schemas.microsoft.com/office/powerpoint/2013/main/command">
   <pc:docChgLst>
     <pc:chgData name="Humberto YORIO" userId="f2a187ce32a90a55" providerId="LiveId" clId="{450EB1D3-2B11-449D-BF20-0F301527BEAF}"/>
-    <pc:docChg chg="modSld">
-      <pc:chgData name="Humberto YORIO" userId="f2a187ce32a90a55" providerId="LiveId" clId="{450EB1D3-2B11-449D-BF20-0F301527BEAF}" dt="2024-03-27T06:52:17.350" v="1" actId="20577"/>
+    <pc:docChg chg="undo custSel addSld delSld modSld sldOrd">
+      <pc:chgData name="Humberto YORIO" userId="f2a187ce32a90a55" providerId="LiveId" clId="{450EB1D3-2B11-449D-BF20-0F301527BEAF}" dt="2024-04-01T00:22:39.905" v="62" actId="1076"/>
       <pc:docMkLst>
         <pc:docMk/>
       </pc:docMkLst>
@@ -151,6 +154,104 @@
             <ac:spMk id="3" creationId="{9C6248E9-C7B7-4D7A-B1C4-84BCE20AAFA4}"/>
           </ac:spMkLst>
         </pc:spChg>
+      </pc:sldChg>
+      <pc:sldChg chg="new del">
+        <pc:chgData name="Humberto YORIO" userId="f2a187ce32a90a55" providerId="LiveId" clId="{450EB1D3-2B11-449D-BF20-0F301527BEAF}" dt="2024-04-01T00:22:19.211" v="56" actId="47"/>
+        <pc:sldMkLst>
+          <pc:docMk/>
+          <pc:sldMk cId="2515496882" sldId="275"/>
+        </pc:sldMkLst>
+      </pc:sldChg>
+      <pc:sldChg chg="addSp delSp modSp add mod ord">
+        <pc:chgData name="Humberto YORIO" userId="f2a187ce32a90a55" providerId="LiveId" clId="{450EB1D3-2B11-449D-BF20-0F301527BEAF}" dt="2024-04-01T00:22:39.905" v="62" actId="1076"/>
+        <pc:sldMkLst>
+          <pc:docMk/>
+          <pc:sldMk cId="1588790121" sldId="276"/>
+        </pc:sldMkLst>
+        <pc:spChg chg="del mod">
+          <ac:chgData name="Humberto YORIO" userId="f2a187ce32a90a55" providerId="LiveId" clId="{450EB1D3-2B11-449D-BF20-0F301527BEAF}" dt="2024-03-31T22:11:59.319" v="20" actId="478"/>
+          <ac:spMkLst>
+            <pc:docMk/>
+            <pc:sldMk cId="1588790121" sldId="276"/>
+            <ac:spMk id="2" creationId="{67035B3C-A32C-4513-8DE4-820070563150}"/>
+          </ac:spMkLst>
+        </pc:spChg>
+        <pc:spChg chg="mod">
+          <ac:chgData name="Humberto YORIO" userId="f2a187ce32a90a55" providerId="LiveId" clId="{450EB1D3-2B11-449D-BF20-0F301527BEAF}" dt="2024-04-01T00:22:39.905" v="62" actId="1076"/>
+          <ac:spMkLst>
+            <pc:docMk/>
+            <pc:sldMk cId="1588790121" sldId="276"/>
+            <ac:spMk id="3" creationId="{9C6248E9-C7B7-4D7A-B1C4-84BCE20AAFA4}"/>
+          </ac:spMkLst>
+        </pc:spChg>
+        <pc:spChg chg="add mod">
+          <ac:chgData name="Humberto YORIO" userId="f2a187ce32a90a55" providerId="LiveId" clId="{450EB1D3-2B11-449D-BF20-0F301527BEAF}" dt="2024-04-01T00:22:34.962" v="61" actId="1076"/>
+          <ac:spMkLst>
+            <pc:docMk/>
+            <pc:sldMk cId="1588790121" sldId="276"/>
+            <ac:spMk id="5" creationId="{D57E748F-BB41-A600-0842-5E99F5199C73}"/>
+          </ac:spMkLst>
+        </pc:spChg>
+        <pc:spChg chg="add del mod">
+          <ac:chgData name="Humberto YORIO" userId="f2a187ce32a90a55" providerId="LiveId" clId="{450EB1D3-2B11-449D-BF20-0F301527BEAF}" dt="2024-03-31T22:12:03.419" v="21" actId="478"/>
+          <ac:spMkLst>
+            <pc:docMk/>
+            <pc:sldMk cId="1588790121" sldId="276"/>
+            <ac:spMk id="7" creationId="{982EC721-3536-A677-12ED-30AAD9DCB9CD}"/>
+          </ac:spMkLst>
+        </pc:spChg>
+      </pc:sldChg>
+      <pc:sldChg chg="modSp add mod">
+        <pc:chgData name="Humberto YORIO" userId="f2a187ce32a90a55" providerId="LiveId" clId="{450EB1D3-2B11-449D-BF20-0F301527BEAF}" dt="2024-03-31T22:14:14.416" v="39" actId="115"/>
+        <pc:sldMkLst>
+          <pc:docMk/>
+          <pc:sldMk cId="1126942220" sldId="277"/>
+        </pc:sldMkLst>
+        <pc:spChg chg="mod">
+          <ac:chgData name="Humberto YORIO" userId="f2a187ce32a90a55" providerId="LiveId" clId="{450EB1D3-2B11-449D-BF20-0F301527BEAF}" dt="2024-03-31T22:11:37.301" v="15" actId="1076"/>
+          <ac:spMkLst>
+            <pc:docMk/>
+            <pc:sldMk cId="1126942220" sldId="277"/>
+            <ac:spMk id="2" creationId="{67035B3C-A32C-4513-8DE4-820070563150}"/>
+          </ac:spMkLst>
+        </pc:spChg>
+        <pc:spChg chg="mod">
+          <ac:chgData name="Humberto YORIO" userId="f2a187ce32a90a55" providerId="LiveId" clId="{450EB1D3-2B11-449D-BF20-0F301527BEAF}" dt="2024-03-31T22:14:14.416" v="39" actId="115"/>
+          <ac:spMkLst>
+            <pc:docMk/>
+            <pc:sldMk cId="1126942220" sldId="277"/>
+            <ac:spMk id="3" creationId="{9C6248E9-C7B7-4D7A-B1C4-84BCE20AAFA4}"/>
+          </ac:spMkLst>
+        </pc:spChg>
+      </pc:sldChg>
+      <pc:sldChg chg="modSp add mod">
+        <pc:chgData name="Humberto YORIO" userId="f2a187ce32a90a55" providerId="LiveId" clId="{450EB1D3-2B11-449D-BF20-0F301527BEAF}" dt="2024-04-01T00:21:15.403" v="49" actId="6549"/>
+        <pc:sldMkLst>
+          <pc:docMk/>
+          <pc:sldMk cId="4061717186" sldId="278"/>
+        </pc:sldMkLst>
+        <pc:spChg chg="mod">
+          <ac:chgData name="Humberto YORIO" userId="f2a187ce32a90a55" providerId="LiveId" clId="{450EB1D3-2B11-449D-BF20-0F301527BEAF}" dt="2024-04-01T00:21:15.403" v="49" actId="6549"/>
+          <ac:spMkLst>
+            <pc:docMk/>
+            <pc:sldMk cId="4061717186" sldId="278"/>
+            <ac:spMk id="3" creationId="{9C6248E9-C7B7-4D7A-B1C4-84BCE20AAFA4}"/>
+          </ac:spMkLst>
+        </pc:spChg>
+      </pc:sldChg>
+      <pc:sldChg chg="add del">
+        <pc:chgData name="Humberto YORIO" userId="f2a187ce32a90a55" providerId="LiveId" clId="{450EB1D3-2B11-449D-BF20-0F301527BEAF}" dt="2024-03-31T22:16:05.387" v="47"/>
+        <pc:sldMkLst>
+          <pc:docMk/>
+          <pc:sldMk cId="444312658" sldId="279"/>
+        </pc:sldMkLst>
+      </pc:sldChg>
+      <pc:sldChg chg="add del">
+        <pc:chgData name="Humberto YORIO" userId="f2a187ce32a90a55" providerId="LiveId" clId="{450EB1D3-2B11-449D-BF20-0F301527BEAF}" dt="2024-03-31T22:16:00.389" v="45"/>
+        <pc:sldMkLst>
+          <pc:docMk/>
+          <pc:sldMk cId="4244504803" sldId="279"/>
+        </pc:sldMkLst>
       </pc:sldChg>
     </pc:docChg>
   </pc:docChgLst>
@@ -8769,7 +8870,7 @@
           <a:p>
             <a:fld id="{1795D2BB-853D-41E6-873B-186C34F754C0}" type="datetimeFigureOut">
               <a:rPr lang="es-AR" smtClean="0"/>
-              <a:t>27/3/2024</a:t>
+              <a:t>31/3/2024</a:t>
             </a:fld>
             <a:endParaRPr lang="es-AR"/>
           </a:p>
@@ -8969,7 +9070,7 @@
           <a:p>
             <a:fld id="{1795D2BB-853D-41E6-873B-186C34F754C0}" type="datetimeFigureOut">
               <a:rPr lang="es-AR" smtClean="0"/>
-              <a:t>27/3/2024</a:t>
+              <a:t>31/3/2024</a:t>
             </a:fld>
             <a:endParaRPr lang="es-AR"/>
           </a:p>
@@ -9179,7 +9280,7 @@
           <a:p>
             <a:fld id="{1795D2BB-853D-41E6-873B-186C34F754C0}" type="datetimeFigureOut">
               <a:rPr lang="es-AR" smtClean="0"/>
-              <a:t>27/3/2024</a:t>
+              <a:t>31/3/2024</a:t>
             </a:fld>
             <a:endParaRPr lang="es-AR"/>
           </a:p>
@@ -9379,7 +9480,7 @@
           <a:p>
             <a:fld id="{1795D2BB-853D-41E6-873B-186C34F754C0}" type="datetimeFigureOut">
               <a:rPr lang="es-AR" smtClean="0"/>
-              <a:t>27/3/2024</a:t>
+              <a:t>31/3/2024</a:t>
             </a:fld>
             <a:endParaRPr lang="es-AR"/>
           </a:p>
@@ -9655,7 +9756,7 @@
           <a:p>
             <a:fld id="{1795D2BB-853D-41E6-873B-186C34F754C0}" type="datetimeFigureOut">
               <a:rPr lang="es-AR" smtClean="0"/>
-              <a:t>27/3/2024</a:t>
+              <a:t>31/3/2024</a:t>
             </a:fld>
             <a:endParaRPr lang="es-AR"/>
           </a:p>
@@ -9923,7 +10024,7 @@
           <a:p>
             <a:fld id="{1795D2BB-853D-41E6-873B-186C34F754C0}" type="datetimeFigureOut">
               <a:rPr lang="es-AR" smtClean="0"/>
-              <a:t>27/3/2024</a:t>
+              <a:t>31/3/2024</a:t>
             </a:fld>
             <a:endParaRPr lang="es-AR"/>
           </a:p>
@@ -10338,7 +10439,7 @@
           <a:p>
             <a:fld id="{1795D2BB-853D-41E6-873B-186C34F754C0}" type="datetimeFigureOut">
               <a:rPr lang="es-AR" smtClean="0"/>
-              <a:t>27/3/2024</a:t>
+              <a:t>31/3/2024</a:t>
             </a:fld>
             <a:endParaRPr lang="es-AR"/>
           </a:p>
@@ -10480,7 +10581,7 @@
           <a:p>
             <a:fld id="{1795D2BB-853D-41E6-873B-186C34F754C0}" type="datetimeFigureOut">
               <a:rPr lang="es-AR" smtClean="0"/>
-              <a:t>27/3/2024</a:t>
+              <a:t>31/3/2024</a:t>
             </a:fld>
             <a:endParaRPr lang="es-AR"/>
           </a:p>
@@ -10593,7 +10694,7 @@
           <a:p>
             <a:fld id="{1795D2BB-853D-41E6-873B-186C34F754C0}" type="datetimeFigureOut">
               <a:rPr lang="es-AR" smtClean="0"/>
-              <a:t>27/3/2024</a:t>
+              <a:t>31/3/2024</a:t>
             </a:fld>
             <a:endParaRPr lang="es-AR"/>
           </a:p>
@@ -10906,7 +11007,7 @@
           <a:p>
             <a:fld id="{1795D2BB-853D-41E6-873B-186C34F754C0}" type="datetimeFigureOut">
               <a:rPr lang="es-AR" smtClean="0"/>
-              <a:t>27/3/2024</a:t>
+              <a:t>31/3/2024</a:t>
             </a:fld>
             <a:endParaRPr lang="es-AR"/>
           </a:p>
@@ -11195,7 +11296,7 @@
           <a:p>
             <a:fld id="{1795D2BB-853D-41E6-873B-186C34F754C0}" type="datetimeFigureOut">
               <a:rPr lang="es-AR" smtClean="0"/>
-              <a:t>27/3/2024</a:t>
+              <a:t>31/3/2024</a:t>
             </a:fld>
             <a:endParaRPr lang="es-AR"/>
           </a:p>
@@ -11441,7 +11542,7 @@
           <a:p>
             <a:fld id="{1795D2BB-853D-41E6-873B-186C34F754C0}" type="datetimeFigureOut">
               <a:rPr lang="es-AR" smtClean="0"/>
-              <a:t>27/3/2024</a:t>
+              <a:t>31/3/2024</a:t>
             </a:fld>
             <a:endParaRPr lang="es-AR"/>
           </a:p>
@@ -14593,6 +14694,427 @@
 </p:sld>
 </file>
 
+<file path=ppt/slides/slide18.xml><?xml version="1.0" encoding="utf-8"?>
+<p:sld xmlns:a="http://schemas.openxmlformats.org/drawingml/2006/main" xmlns:r="http://schemas.openxmlformats.org/officeDocument/2006/relationships" xmlns:p="http://schemas.openxmlformats.org/presentationml/2006/main">
+  <p:cSld>
+    <p:spTree>
+      <p:nvGrpSpPr>
+        <p:cNvPr id="1" name=""/>
+        <p:cNvGrpSpPr/>
+        <p:nvPr/>
+      </p:nvGrpSpPr>
+      <p:grpSpPr>
+        <a:xfrm>
+          <a:off x="0" y="0"/>
+          <a:ext cx="0" cy="0"/>
+          <a:chOff x="0" y="0"/>
+          <a:chExt cx="0" cy="0"/>
+        </a:xfrm>
+      </p:grpSpPr>
+      <p:sp>
+        <p:nvSpPr>
+          <p:cNvPr id="2" name="Título 1">
+            <a:extLst>
+              <a:ext uri="{FF2B5EF4-FFF2-40B4-BE49-F238E27FC236}">
+                <a16:creationId xmlns:a16="http://schemas.microsoft.com/office/drawing/2014/main" id="{67035B3C-A32C-4513-8DE4-820070563150}"/>
+              </a:ext>
+            </a:extLst>
+          </p:cNvPr>
+          <p:cNvSpPr>
+            <a:spLocks noGrp="1"/>
+          </p:cNvSpPr>
+          <p:nvPr>
+            <p:ph type="title"/>
+          </p:nvPr>
+        </p:nvSpPr>
+        <p:spPr>
+          <a:xfrm>
+            <a:off x="0" y="-166367"/>
+            <a:ext cx="12378436" cy="1466847"/>
+          </a:xfrm>
+        </p:spPr>
+        <p:txBody>
+          <a:bodyPr anchor="b">
+            <a:normAutofit/>
+          </a:bodyPr>
+          <a:lstStyle/>
+          <a:p>
+            <a:r>
+              <a:rPr lang="es-ES" sz="3800" u="sng" dirty="0"/>
+              <a:t>Optimizando la Retención de Clientes: Impulsando el Éxito Empresarial con Nuestro Modelo Predictivo</a:t>
+            </a:r>
+            <a:endParaRPr lang="es-AR" sz="3800" u="sng" dirty="0"/>
+          </a:p>
+        </p:txBody>
+      </p:sp>
+      <p:sp>
+        <p:nvSpPr>
+          <p:cNvPr id="3" name="Marcador de contenido 2">
+            <a:extLst>
+              <a:ext uri="{FF2B5EF4-FFF2-40B4-BE49-F238E27FC236}">
+                <a16:creationId xmlns:a16="http://schemas.microsoft.com/office/drawing/2014/main" id="{9C6248E9-C7B7-4D7A-B1C4-84BCE20AAFA4}"/>
+              </a:ext>
+            </a:extLst>
+          </p:cNvPr>
+          <p:cNvSpPr>
+            <a:spLocks noGrp="1"/>
+          </p:cNvSpPr>
+          <p:nvPr>
+            <p:ph idx="1"/>
+          </p:nvPr>
+        </p:nvSpPr>
+        <p:spPr>
+          <a:xfrm>
+            <a:off x="-60960" y="1209040"/>
+            <a:ext cx="11124184" cy="4180469"/>
+          </a:xfrm>
+        </p:spPr>
+        <p:txBody>
+          <a:bodyPr anchor="t">
+            <a:noAutofit/>
+          </a:bodyPr>
+          <a:lstStyle/>
+          <a:p>
+            <a:pPr marL="0" indent="0">
+              <a:lnSpc>
+                <a:spcPct val="107000"/>
+              </a:lnSpc>
+              <a:spcAft>
+                <a:spcPts val="800"/>
+              </a:spcAft>
+              <a:buNone/>
+            </a:pPr>
+            <a:r>
+              <a:rPr lang="es-ES" sz="2400" u="sng" dirty="0">
+                <a:latin typeface="Roboto" panose="02000000000000000000" pitchFamily="2" charset="0"/>
+              </a:rPr>
+              <a:t>Capacidad Predictiva del Modelo</a:t>
+            </a:r>
+          </a:p>
+          <a:p>
+            <a:pPr>
+              <a:lnSpc>
+                <a:spcPct val="107000"/>
+              </a:lnSpc>
+              <a:spcAft>
+                <a:spcPts val="800"/>
+              </a:spcAft>
+            </a:pPr>
+            <a:r>
+              <a:rPr lang="es-ES" sz="2400" dirty="0">
+                <a:latin typeface="Roboto" panose="02000000000000000000" pitchFamily="2" charset="0"/>
+              </a:rPr>
+              <a:t>Nuestro modelo de regresión logística ha demostrado una capacidad sólida para prever el comportamiento de nuestros clientes, con un TRAIN ROC AUC de 0.79 y un TEST ROC AUC de 0.80. Esto significa que podemos identificar de manera efectiva qué clientes están más propensos a renunciar y tomar medidas proactivas para retenerlos.</a:t>
+            </a:r>
+          </a:p>
+          <a:p>
+            <a:pPr>
+              <a:lnSpc>
+                <a:spcPct val="107000"/>
+              </a:lnSpc>
+              <a:spcAft>
+                <a:spcPts val="800"/>
+              </a:spcAft>
+            </a:pPr>
+            <a:r>
+              <a:rPr lang="es-ES" sz="2400" dirty="0">
+                <a:latin typeface="Roboto" panose="02000000000000000000" pitchFamily="2" charset="0"/>
+              </a:rPr>
+              <a:t>Validación de la Generalización</a:t>
+            </a:r>
+          </a:p>
+          <a:p>
+            <a:pPr>
+              <a:lnSpc>
+                <a:spcPct val="107000"/>
+              </a:lnSpc>
+              <a:spcAft>
+                <a:spcPts val="800"/>
+              </a:spcAft>
+            </a:pPr>
+            <a:r>
+              <a:rPr lang="es-ES" sz="2400" dirty="0">
+                <a:latin typeface="Roboto" panose="02000000000000000000" pitchFamily="2" charset="0"/>
+              </a:rPr>
+              <a:t>No solo es efectivo en el papel, sino que nuestro modelo también se desempeña de manera consistente en situaciones del mundo real. El hecho de que su rendimiento sea similar tanto en datos de entrenamiento como en datos no vistos refuerza nuestra confianza en su capacidad para generalizar y adaptarse a diversas condiciones.</a:t>
+            </a:r>
+            <a:endParaRPr lang="es-AR" sz="2400" dirty="0">
+              <a:latin typeface="Roboto" panose="02000000000000000000" pitchFamily="2" charset="0"/>
+            </a:endParaRPr>
+          </a:p>
+          <a:p>
+            <a:pPr>
+              <a:lnSpc>
+                <a:spcPct val="107000"/>
+              </a:lnSpc>
+              <a:spcAft>
+                <a:spcPts val="800"/>
+              </a:spcAft>
+            </a:pPr>
+            <a:endParaRPr lang="es-AR" sz="2400" dirty="0">
+              <a:latin typeface="Roboto" panose="02000000000000000000" pitchFamily="2" charset="0"/>
+            </a:endParaRPr>
+          </a:p>
+        </p:txBody>
+      </p:sp>
+    </p:spTree>
+    <p:extLst>
+      <p:ext uri="{BB962C8B-B14F-4D97-AF65-F5344CB8AC3E}">
+        <p14:creationId xmlns:p14="http://schemas.microsoft.com/office/powerpoint/2010/main" val="1126942220"/>
+      </p:ext>
+    </p:extLst>
+  </p:cSld>
+  <p:clrMapOvr>
+    <a:masterClrMapping/>
+  </p:clrMapOvr>
+</p:sld>
+</file>
+
+<file path=ppt/slides/slide19.xml><?xml version="1.0" encoding="utf-8"?>
+<p:sld xmlns:a="http://schemas.openxmlformats.org/drawingml/2006/main" xmlns:r="http://schemas.openxmlformats.org/officeDocument/2006/relationships" xmlns:p="http://schemas.openxmlformats.org/presentationml/2006/main">
+  <p:cSld>
+    <p:spTree>
+      <p:nvGrpSpPr>
+        <p:cNvPr id="1" name=""/>
+        <p:cNvGrpSpPr/>
+        <p:nvPr/>
+      </p:nvGrpSpPr>
+      <p:grpSpPr>
+        <a:xfrm>
+          <a:off x="0" y="0"/>
+          <a:ext cx="0" cy="0"/>
+          <a:chOff x="0" y="0"/>
+          <a:chExt cx="0" cy="0"/>
+        </a:xfrm>
+      </p:grpSpPr>
+      <p:sp>
+        <p:nvSpPr>
+          <p:cNvPr id="2" name="Título 1">
+            <a:extLst>
+              <a:ext uri="{FF2B5EF4-FFF2-40B4-BE49-F238E27FC236}">
+                <a16:creationId xmlns:a16="http://schemas.microsoft.com/office/drawing/2014/main" id="{67035B3C-A32C-4513-8DE4-820070563150}"/>
+              </a:ext>
+            </a:extLst>
+          </p:cNvPr>
+          <p:cNvSpPr>
+            <a:spLocks noGrp="1"/>
+          </p:cNvSpPr>
+          <p:nvPr>
+            <p:ph type="title"/>
+          </p:nvPr>
+        </p:nvSpPr>
+        <p:spPr>
+          <a:xfrm>
+            <a:off x="0" y="-166367"/>
+            <a:ext cx="12378436" cy="1466847"/>
+          </a:xfrm>
+        </p:spPr>
+        <p:txBody>
+          <a:bodyPr anchor="b">
+            <a:normAutofit/>
+          </a:bodyPr>
+          <a:lstStyle/>
+          <a:p>
+            <a:r>
+              <a:rPr lang="es-ES" sz="3800" u="sng" dirty="0"/>
+              <a:t>Optimizando la Retención de Clientes: Impulsando el Éxito Empresarial con Nuestro Modelo Predictivo</a:t>
+            </a:r>
+            <a:endParaRPr lang="es-AR" sz="3800" u="sng" dirty="0"/>
+          </a:p>
+        </p:txBody>
+      </p:sp>
+      <p:sp>
+        <p:nvSpPr>
+          <p:cNvPr id="3" name="Marcador de contenido 2">
+            <a:extLst>
+              <a:ext uri="{FF2B5EF4-FFF2-40B4-BE49-F238E27FC236}">
+                <a16:creationId xmlns:a16="http://schemas.microsoft.com/office/drawing/2014/main" id="{9C6248E9-C7B7-4D7A-B1C4-84BCE20AAFA4}"/>
+              </a:ext>
+            </a:extLst>
+          </p:cNvPr>
+          <p:cNvSpPr>
+            <a:spLocks noGrp="1"/>
+          </p:cNvSpPr>
+          <p:nvPr>
+            <p:ph idx="1"/>
+          </p:nvPr>
+        </p:nvSpPr>
+        <p:spPr>
+          <a:xfrm>
+            <a:off x="-60960" y="1209040"/>
+            <a:ext cx="11124184" cy="4180469"/>
+          </a:xfrm>
+        </p:spPr>
+        <p:txBody>
+          <a:bodyPr anchor="t">
+            <a:noAutofit/>
+          </a:bodyPr>
+          <a:lstStyle/>
+          <a:p>
+            <a:pPr marL="0" indent="0">
+              <a:lnSpc>
+                <a:spcPct val="107000"/>
+              </a:lnSpc>
+              <a:spcAft>
+                <a:spcPts val="800"/>
+              </a:spcAft>
+              <a:buNone/>
+            </a:pPr>
+            <a:r>
+              <a:rPr lang="es-ES" sz="2400" u="sng" dirty="0">
+                <a:latin typeface="Roboto" panose="02000000000000000000" pitchFamily="2" charset="0"/>
+              </a:rPr>
+              <a:t>Capacidad Predictiva del Modelo</a:t>
+            </a:r>
+          </a:p>
+          <a:p>
+            <a:pPr>
+              <a:lnSpc>
+                <a:spcPct val="107000"/>
+              </a:lnSpc>
+              <a:spcAft>
+                <a:spcPts val="800"/>
+              </a:spcAft>
+            </a:pPr>
+            <a:r>
+              <a:rPr lang="es-ES" sz="2400" dirty="0">
+                <a:latin typeface="Roboto" panose="02000000000000000000" pitchFamily="2" charset="0"/>
+              </a:rPr>
+              <a:t>Identificación de Clientes en Riesgo de </a:t>
+            </a:r>
+            <a:r>
+              <a:rPr lang="es-ES" sz="2400" dirty="0" err="1">
+                <a:latin typeface="Roboto" panose="02000000000000000000" pitchFamily="2" charset="0"/>
+              </a:rPr>
+              <a:t>Churn</a:t>
+            </a:r>
+            <a:endParaRPr lang="es-ES" sz="2400" dirty="0">
+              <a:latin typeface="Roboto" panose="02000000000000000000" pitchFamily="2" charset="0"/>
+            </a:endParaRPr>
+          </a:p>
+          <a:p>
+            <a:pPr>
+              <a:lnSpc>
+                <a:spcPct val="107000"/>
+              </a:lnSpc>
+              <a:spcAft>
+                <a:spcPts val="800"/>
+              </a:spcAft>
+            </a:pPr>
+            <a:r>
+              <a:rPr lang="es-ES" sz="2400" dirty="0">
+                <a:latin typeface="Roboto" panose="02000000000000000000" pitchFamily="2" charset="0"/>
+              </a:rPr>
+              <a:t>Con nuestra herramienta predictiva, podemos segmentar a nuestros clientes y calcular su probabilidad individual de </a:t>
+            </a:r>
+            <a:r>
+              <a:rPr lang="es-ES" sz="2400" dirty="0" err="1">
+                <a:latin typeface="Roboto" panose="02000000000000000000" pitchFamily="2" charset="0"/>
+              </a:rPr>
+              <a:t>churn</a:t>
+            </a:r>
+            <a:r>
+              <a:rPr lang="es-ES" sz="2400" dirty="0">
+                <a:latin typeface="Roboto" panose="02000000000000000000" pitchFamily="2" charset="0"/>
+              </a:rPr>
+              <a:t>. Esto nos permite identificar rápidamente qué clientes están en mayor riesgo de renunciar, brindándonos la oportunidad de intervenir y ofrecerles soluciones personalizadas de retención.</a:t>
+            </a:r>
+          </a:p>
+          <a:p>
+            <a:pPr>
+              <a:lnSpc>
+                <a:spcPct val="107000"/>
+              </a:lnSpc>
+              <a:spcAft>
+                <a:spcPts val="800"/>
+              </a:spcAft>
+            </a:pPr>
+            <a:r>
+              <a:rPr lang="es-ES" sz="2400" dirty="0">
+                <a:latin typeface="Roboto" panose="02000000000000000000" pitchFamily="2" charset="0"/>
+              </a:rPr>
+              <a:t>Estrategias de Retención Personalizadas</a:t>
+            </a:r>
+          </a:p>
+          <a:p>
+            <a:pPr>
+              <a:lnSpc>
+                <a:spcPct val="107000"/>
+              </a:lnSpc>
+              <a:spcAft>
+                <a:spcPts val="800"/>
+              </a:spcAft>
+            </a:pPr>
+            <a:r>
+              <a:rPr lang="es-ES" sz="2400" dirty="0">
+                <a:latin typeface="Roboto" panose="02000000000000000000" pitchFamily="2" charset="0"/>
+              </a:rPr>
+              <a:t>Al comprender las necesidades y comportamientos únicos de cada cliente, podemos diseñar estrategias de retención altamente efectivas y personalizadas. Desde descuentos exclusivos hasta un servicio al cliente excepcional, podemos implementar tácticas que fortalezcan la lealtad del cliente y aumenten su satisfacción.</a:t>
+            </a:r>
+          </a:p>
+          <a:p>
+            <a:pPr>
+              <a:lnSpc>
+                <a:spcPct val="107000"/>
+              </a:lnSpc>
+              <a:spcAft>
+                <a:spcPts val="800"/>
+              </a:spcAft>
+            </a:pPr>
+            <a:r>
+              <a:rPr lang="es-ES" sz="2400" dirty="0">
+                <a:latin typeface="Roboto" panose="02000000000000000000" pitchFamily="2" charset="0"/>
+              </a:rPr>
+              <a:t>Impacto en los Ingresos y la Rentabilidad</a:t>
+            </a:r>
+          </a:p>
+          <a:p>
+            <a:pPr>
+              <a:lnSpc>
+                <a:spcPct val="107000"/>
+              </a:lnSpc>
+              <a:spcAft>
+                <a:spcPts val="800"/>
+              </a:spcAft>
+            </a:pPr>
+            <a:endParaRPr lang="es-ES" sz="2400" dirty="0">
+              <a:latin typeface="Roboto" panose="02000000000000000000" pitchFamily="2" charset="0"/>
+            </a:endParaRPr>
+          </a:p>
+          <a:p>
+            <a:pPr>
+              <a:lnSpc>
+                <a:spcPct val="107000"/>
+              </a:lnSpc>
+              <a:spcAft>
+                <a:spcPts val="800"/>
+              </a:spcAft>
+            </a:pPr>
+            <a:r>
+              <a:rPr lang="es-ES" sz="2400" dirty="0">
+                <a:latin typeface="Roboto" panose="02000000000000000000" pitchFamily="2" charset="0"/>
+              </a:rPr>
+              <a:t>Retener a nuestros clientes más valiosos no solo garantiza un flujo constante de ingresos, sino que también reduce los costos asociados con la adquisición de nuevos clientes. Esta estrategia centrada en el cliente no solo impulsa nuestros resultados financieros, sino que también fortalece nuestra posición en el mercado y construye relaciones a largo plazo con nuestros clientes.</a:t>
+            </a:r>
+            <a:endParaRPr lang="es-AR" sz="2400" dirty="0">
+              <a:latin typeface="Roboto" panose="02000000000000000000" pitchFamily="2" charset="0"/>
+            </a:endParaRPr>
+          </a:p>
+        </p:txBody>
+      </p:sp>
+    </p:spTree>
+    <p:extLst>
+      <p:ext uri="{BB962C8B-B14F-4D97-AF65-F5344CB8AC3E}">
+        <p14:creationId xmlns:p14="http://schemas.microsoft.com/office/powerpoint/2010/main" val="4061717186"/>
+      </p:ext>
+    </p:extLst>
+  </p:cSld>
+  <p:clrMapOvr>
+    <a:masterClrMapping/>
+  </p:clrMapOvr>
+</p:sld>
+</file>
+
 <file path=ppt/slides/slide2.xml><?xml version="1.0" encoding="utf-8"?>
 <p:sld xmlns:a="http://schemas.openxmlformats.org/drawingml/2006/main" xmlns:r="http://schemas.openxmlformats.org/officeDocument/2006/relationships" xmlns:p="http://schemas.openxmlformats.org/presentationml/2006/main">
   <p:cSld>
@@ -15012,6 +15534,202 @@
     <p:extLst>
       <p:ext uri="{BB962C8B-B14F-4D97-AF65-F5344CB8AC3E}">
         <p14:creationId xmlns:p14="http://schemas.microsoft.com/office/powerpoint/2010/main" val="3233690709"/>
+      </p:ext>
+    </p:extLst>
+  </p:cSld>
+  <p:clrMapOvr>
+    <a:masterClrMapping/>
+  </p:clrMapOvr>
+</p:sld>
+</file>
+
+<file path=ppt/slides/slide20.xml><?xml version="1.0" encoding="utf-8"?>
+<p:sld xmlns:a="http://schemas.openxmlformats.org/drawingml/2006/main" xmlns:r="http://schemas.openxmlformats.org/officeDocument/2006/relationships" xmlns:p="http://schemas.openxmlformats.org/presentationml/2006/main">
+  <p:cSld>
+    <p:spTree>
+      <p:nvGrpSpPr>
+        <p:cNvPr id="1" name=""/>
+        <p:cNvGrpSpPr/>
+        <p:nvPr/>
+      </p:nvGrpSpPr>
+      <p:grpSpPr>
+        <a:xfrm>
+          <a:off x="0" y="0"/>
+          <a:ext cx="0" cy="0"/>
+          <a:chOff x="0" y="0"/>
+          <a:chExt cx="0" cy="0"/>
+        </a:xfrm>
+      </p:grpSpPr>
+      <p:sp>
+        <p:nvSpPr>
+          <p:cNvPr id="3" name="Marcador de contenido 2">
+            <a:extLst>
+              <a:ext uri="{FF2B5EF4-FFF2-40B4-BE49-F238E27FC236}">
+                <a16:creationId xmlns:a16="http://schemas.microsoft.com/office/drawing/2014/main" id="{9C6248E9-C7B7-4D7A-B1C4-84BCE20AAFA4}"/>
+              </a:ext>
+            </a:extLst>
+          </p:cNvPr>
+          <p:cNvSpPr>
+            <a:spLocks noGrp="1"/>
+          </p:cNvSpPr>
+          <p:nvPr>
+            <p:ph idx="1"/>
+          </p:nvPr>
+        </p:nvSpPr>
+        <p:spPr>
+          <a:xfrm>
+            <a:off x="336296" y="518160"/>
+            <a:ext cx="11124184" cy="4180469"/>
+          </a:xfrm>
+        </p:spPr>
+        <p:txBody>
+          <a:bodyPr anchor="t">
+            <a:noAutofit/>
+          </a:bodyPr>
+          <a:lstStyle/>
+          <a:p>
+            <a:pPr>
+              <a:lnSpc>
+                <a:spcPct val="107000"/>
+              </a:lnSpc>
+              <a:spcAft>
+                <a:spcPts val="800"/>
+              </a:spcAft>
+            </a:pPr>
+            <a:endParaRPr lang="es-AR" sz="2400" dirty="0">
+              <a:latin typeface="Roboto" panose="02000000000000000000" pitchFamily="2" charset="0"/>
+            </a:endParaRPr>
+          </a:p>
+          <a:p>
+            <a:pPr marL="0" indent="0">
+              <a:lnSpc>
+                <a:spcPct val="107000"/>
+              </a:lnSpc>
+              <a:spcAft>
+                <a:spcPts val="800"/>
+              </a:spcAft>
+              <a:buNone/>
+            </a:pPr>
+            <a:r>
+              <a:rPr lang="es-ES" sz="2400" dirty="0">
+                <a:latin typeface="Roboto" panose="02000000000000000000" pitchFamily="2" charset="0"/>
+              </a:rPr>
+              <a:t>Impacto en los Ingresos y la Rentabilidad</a:t>
+            </a:r>
+          </a:p>
+          <a:p>
+            <a:pPr>
+              <a:lnSpc>
+                <a:spcPct val="107000"/>
+              </a:lnSpc>
+              <a:spcAft>
+                <a:spcPts val="800"/>
+              </a:spcAft>
+            </a:pPr>
+            <a:r>
+              <a:rPr lang="es-ES" sz="2400" dirty="0">
+                <a:latin typeface="Roboto" panose="02000000000000000000" pitchFamily="2" charset="0"/>
+              </a:rPr>
+              <a:t>Retener a nuestros clientes más valiosos no solo garantiza un flujo constante de ingresos, sino que también reduce los costos asociados con la adquisición de nuevos clientes. Esta estrategia centrada en el cliente no solo impulsa nuestros resultados financieros, sino que también fortalece nuestra posición en el mercado y construye relaciones a largo plazo con nuestros clientes.</a:t>
+            </a:r>
+          </a:p>
+          <a:p>
+            <a:pPr marL="0" indent="0">
+              <a:lnSpc>
+                <a:spcPct val="107000"/>
+              </a:lnSpc>
+              <a:spcAft>
+                <a:spcPts val="800"/>
+              </a:spcAft>
+              <a:buNone/>
+            </a:pPr>
+            <a:r>
+              <a:rPr lang="es-ES" sz="2400" dirty="0">
+                <a:latin typeface="Roboto" panose="02000000000000000000" pitchFamily="2" charset="0"/>
+              </a:rPr>
+              <a:t>En Conclusión</a:t>
+            </a:r>
+          </a:p>
+          <a:p>
+            <a:pPr marL="0" indent="0">
+              <a:lnSpc>
+                <a:spcPct val="107000"/>
+              </a:lnSpc>
+              <a:spcAft>
+                <a:spcPts val="800"/>
+              </a:spcAft>
+              <a:buNone/>
+            </a:pPr>
+            <a:r>
+              <a:rPr lang="es-ES" sz="2400" dirty="0">
+                <a:latin typeface="Roboto" panose="02000000000000000000" pitchFamily="2" charset="0"/>
+              </a:rPr>
+              <a:t>Nuestro modelo predictivo no solo nos brinda información valiosa sobre el comportamiento futuro de nuestros clientes, sino que también nos proporciona una ventaja competitiva en un mercado cada vez más competitivo. Al enfocarnos en la retención de clientes y utilizar estrategias basadas en datos, estamos posicionando a nuestra empresa para un crecimiento sostenible y un éxito continuo en el futuro.</a:t>
+            </a:r>
+          </a:p>
+          <a:p>
+            <a:pPr>
+              <a:lnSpc>
+                <a:spcPct val="107000"/>
+              </a:lnSpc>
+              <a:spcAft>
+                <a:spcPts val="800"/>
+              </a:spcAft>
+            </a:pPr>
+            <a:endParaRPr lang="es-AR" sz="2400" dirty="0">
+              <a:latin typeface="Roboto" panose="02000000000000000000" pitchFamily="2" charset="0"/>
+            </a:endParaRPr>
+          </a:p>
+        </p:txBody>
+      </p:sp>
+      <p:sp>
+        <p:nvSpPr>
+          <p:cNvPr id="5" name="CuadroTexto 4">
+            <a:extLst>
+              <a:ext uri="{FF2B5EF4-FFF2-40B4-BE49-F238E27FC236}">
+                <a16:creationId xmlns:a16="http://schemas.microsoft.com/office/drawing/2014/main" id="{D57E748F-BB41-A600-0842-5E99F5199C73}"/>
+              </a:ext>
+            </a:extLst>
+          </p:cNvPr>
+          <p:cNvSpPr txBox="1"/>
+          <p:nvPr/>
+        </p:nvSpPr>
+        <p:spPr>
+          <a:xfrm>
+            <a:off x="180340" y="0"/>
+            <a:ext cx="11831320" cy="1261884"/>
+          </a:xfrm>
+          <a:prstGeom prst="rect">
+            <a:avLst/>
+          </a:prstGeom>
+          <a:noFill/>
+        </p:spPr>
+        <p:txBody>
+          <a:bodyPr wrap="square">
+            <a:spAutoFit/>
+          </a:bodyPr>
+          <a:lstStyle/>
+          <a:p>
+            <a:r>
+              <a:rPr lang="es-ES" sz="3800" u="sng" dirty="0">
+                <a:latin typeface="+mj-lt"/>
+                <a:ea typeface="+mj-ea"/>
+                <a:cs typeface="+mj-cs"/>
+              </a:rPr>
+              <a:t>Optimizando la Retención de Clientes: Impulsando el Éxito Empresarial con Nuestro Modelo Predictivo (cont.)</a:t>
+            </a:r>
+            <a:endParaRPr lang="es-AR" sz="3800" u="sng" dirty="0">
+              <a:latin typeface="+mj-lt"/>
+              <a:ea typeface="+mj-ea"/>
+              <a:cs typeface="+mj-cs"/>
+            </a:endParaRPr>
+          </a:p>
+        </p:txBody>
+      </p:sp>
+    </p:spTree>
+    <p:extLst>
+      <p:ext uri="{BB962C8B-B14F-4D97-AF65-F5344CB8AC3E}">
+        <p14:creationId xmlns:p14="http://schemas.microsoft.com/office/powerpoint/2010/main" val="1588790121"/>
       </p:ext>
     </p:extLst>
   </p:cSld>
